--- a/eece3170/sp16/lectures/eece.3170sp16_lec21_pic_inst2.pptx
+++ b/eece3170/sp16/lectures/eece.3170sp16_lec21_pic_inst2.pptx
@@ -1302,7 +1302,7 @@
             <a:fld id="{9DB574AA-4AEF-B34F-8B4E-D99858EB39BE}" type="datetime1">
               <a:rPr lang="en-US"/>
               <a:pPr/>
-              <a:t>3/21/16</a:t>
+              <a:t>3/23/16</a:t>
             </a:fld>
             <a:endParaRPr lang="en-US"/>
           </a:p>
@@ -1858,7 +1858,7 @@
             <a:fld id="{90FE5C72-84D5-4047-BC1C-77905F5DF831}" type="datetime1">
               <a:rPr lang="en-US"/>
               <a:pPr/>
-              <a:t>3/21/16</a:t>
+              <a:t>3/23/16</a:t>
             </a:fld>
             <a:endParaRPr lang="en-US"/>
           </a:p>
@@ -2414,7 +2414,7 @@
             <a:fld id="{3044EF87-295F-E048-ABAB-CFF355E0ABD3}" type="datetime1">
               <a:rPr lang="en-US"/>
               <a:pPr/>
-              <a:t>3/21/16</a:t>
+              <a:t>3/23/16</a:t>
             </a:fld>
             <a:endParaRPr lang="en-US"/>
           </a:p>
@@ -2970,7 +2970,7 @@
             <a:fld id="{AFE5984B-8387-A44F-A1D0-CA273B59AB23}" type="datetime1">
               <a:rPr lang="en-US"/>
               <a:pPr/>
-              <a:t>3/21/16</a:t>
+              <a:t>3/23/16</a:t>
             </a:fld>
             <a:endParaRPr lang="en-US"/>
           </a:p>
@@ -3578,7 +3578,7 @@
           <a:p>
             <a:fld id="{8CD57FEA-229D-CC4F-A2B7-900E8B6438A3}" type="datetime1">
               <a:rPr lang="en-US" smtClean="0"/>
-              <a:t>3/21/16</a:t>
+              <a:t>3/23/16</a:t>
             </a:fld>
             <a:endParaRPr lang="en-US"/>
           </a:p>
@@ -3775,7 +3775,7 @@
           <a:p>
             <a:fld id="{AA158C76-56DB-5848-BE8B-C30D90D28841}" type="datetime1">
               <a:rPr lang="en-US" smtClean="0"/>
-              <a:t>3/21/16</a:t>
+              <a:t>3/23/16</a:t>
             </a:fld>
             <a:endParaRPr lang="en-US"/>
           </a:p>
@@ -3981,7 +3981,7 @@
           <a:p>
             <a:fld id="{65EAEA46-50FA-3642-A751-233B16EE33DB}" type="datetime1">
               <a:rPr lang="en-US" smtClean="0"/>
-              <a:t>3/21/16</a:t>
+              <a:t>3/23/16</a:t>
             </a:fld>
             <a:endParaRPr lang="en-US"/>
           </a:p>
@@ -4244,7 +4244,7 @@
           <a:p>
             <a:fld id="{5370E6AD-63E5-594A-ACB8-B7A03FA67140}" type="datetime1">
               <a:rPr lang="en-US" smtClean="0"/>
-              <a:t>3/21/16</a:t>
+              <a:t>3/23/16</a:t>
             </a:fld>
             <a:endParaRPr lang="en-US"/>
           </a:p>
@@ -4507,7 +4507,7 @@
           <a:p>
             <a:fld id="{A97CFEED-2B80-994E-B1E1-61606A620BDB}" type="datetime1">
               <a:rPr lang="en-US" smtClean="0"/>
-              <a:t>3/21/16</a:t>
+              <a:t>3/23/16</a:t>
             </a:fld>
             <a:endParaRPr lang="en-US"/>
           </a:p>
@@ -4703,7 +4703,7 @@
           <a:p>
             <a:fld id="{D437A2B0-6120-8140-8E08-974AAA57CDE2}" type="datetime1">
               <a:rPr lang="en-US" smtClean="0"/>
-              <a:t>3/21/16</a:t>
+              <a:t>3/23/16</a:t>
             </a:fld>
             <a:endParaRPr lang="en-US"/>
           </a:p>
@@ -4921,7 +4921,7 @@
           <a:p>
             <a:fld id="{9EF83E2C-9ADD-4E49-88B9-ED74A53D9F27}" type="datetime1">
               <a:rPr lang="en-US" smtClean="0"/>
-              <a:t>3/21/16</a:t>
+              <a:t>3/23/16</a:t>
             </a:fld>
             <a:endParaRPr lang="en-US"/>
           </a:p>
@@ -5235,7 +5235,7 @@
           <a:p>
             <a:fld id="{AEB46DF8-5703-E543-A1DA-2CFA48CA8432}" type="datetime1">
               <a:rPr lang="en-US" smtClean="0"/>
-              <a:t>3/21/16</a:t>
+              <a:t>3/23/16</a:t>
             </a:fld>
             <a:endParaRPr lang="en-US"/>
           </a:p>
@@ -5688,7 +5688,7 @@
           <a:p>
             <a:fld id="{FD273C7B-23D6-5C49-BA81-42967243BC11}" type="datetime1">
               <a:rPr lang="en-US" smtClean="0"/>
-              <a:t>3/21/16</a:t>
+              <a:t>3/23/16</a:t>
             </a:fld>
             <a:endParaRPr lang="en-US"/>
           </a:p>
@@ -5832,7 +5832,7 @@
           <a:p>
             <a:fld id="{7B7EC1B1-21AF-8342-A78E-E4E808073D02}" type="datetime1">
               <a:rPr lang="en-US" smtClean="0"/>
-              <a:t>3/21/16</a:t>
+              <a:t>3/23/16</a:t>
             </a:fld>
             <a:endParaRPr lang="en-US"/>
           </a:p>
@@ -5953,7 +5953,7 @@
           <a:p>
             <a:fld id="{BBF95E5D-9E3D-784F-B239-BE03BD161AEE}" type="datetime1">
               <a:rPr lang="en-US" smtClean="0"/>
-              <a:t>3/21/16</a:t>
+              <a:t>3/23/16</a:t>
             </a:fld>
             <a:endParaRPr lang="en-US"/>
           </a:p>
@@ -6256,7 +6256,7 @@
           <a:p>
             <a:fld id="{E0A8EFC4-9519-474E-A17D-B3373E1FB566}" type="datetime1">
               <a:rPr lang="en-US" smtClean="0"/>
-              <a:t>3/21/16</a:t>
+              <a:t>3/23/16</a:t>
             </a:fld>
             <a:endParaRPr lang="en-US"/>
           </a:p>
@@ -6536,7 +6536,7 @@
           <a:p>
             <a:fld id="{0C3D7156-7FB4-854C-AFBA-6CDE5B5DBFD6}" type="datetime1">
               <a:rPr lang="en-US" smtClean="0"/>
-              <a:t>3/21/16</a:t>
+              <a:t>3/23/16</a:t>
             </a:fld>
             <a:endParaRPr lang="en-US"/>
           </a:p>
@@ -6835,7 +6835,7 @@
           <a:p>
             <a:fld id="{4EC580D6-AF36-BA4F-8AA1-9C0053234F97}" type="datetime1">
               <a:rPr lang="en-US" smtClean="0"/>
-              <a:t>3/21/16</a:t>
+              <a:t>3/23/16</a:t>
             </a:fld>
             <a:endParaRPr lang="en-US"/>
           </a:p>
@@ -8178,7 +8178,7 @@
               <a:rPr lang="en-US" sz="1200" smtClean="0">
                 <a:latin typeface="Garamond" charset="0"/>
               </a:rPr>
-              <a:t>3/21/16</a:t>
+              <a:t>3/23/16</a:t>
             </a:fld>
             <a:endParaRPr lang="en-US" sz="1200">
               <a:latin typeface="Garamond" charset="0"/>
@@ -9296,7 +9296,7 @@
               <a:rPr lang="en-US" sz="1200" smtClean="0">
                 <a:latin typeface="Garamond" charset="0"/>
               </a:rPr>
-              <a:t>3/21/16</a:t>
+              <a:t>3/23/16</a:t>
             </a:fld>
             <a:endParaRPr lang="en-US" sz="1200">
               <a:latin typeface="Garamond" charset="0"/>
@@ -10071,7 +10071,7 @@
               <a:rPr lang="en-US" sz="1200" smtClean="0">
                 <a:latin typeface="Garamond" charset="0"/>
               </a:rPr>
-              <a:t>3/21/16</a:t>
+              <a:t>3/23/16</a:t>
             </a:fld>
             <a:endParaRPr lang="en-US" sz="1200">
               <a:latin typeface="Garamond" charset="0"/>
@@ -10203,7 +10203,25 @@
               <a:rPr lang="en-US" dirty="0">
                 <a:latin typeface="Arial" charset="0"/>
               </a:rPr>
-              <a:t>HW 6 to be posted; due 1:00 PM, 3/28</a:t>
+              <a:t>HW </a:t>
+            </a:r>
+            <a:r>
+              <a:rPr lang="en-US">
+                <a:latin typeface="Arial" charset="0"/>
+              </a:rPr>
+              <a:t>6 </a:t>
+            </a:r>
+            <a:r>
+              <a:rPr lang="en-US" smtClean="0">
+                <a:latin typeface="Arial" charset="0"/>
+              </a:rPr>
+              <a:t>posted</a:t>
+            </a:r>
+            <a:r>
+              <a:rPr lang="en-US" dirty="0">
+                <a:latin typeface="Arial" charset="0"/>
+              </a:rPr>
+              <a:t>; due 1:00 PM, 3/28</a:t>
             </a:r>
           </a:p>
           <a:p>
@@ -10396,7 +10414,7 @@
               <a:rPr lang="en-US" sz="1200" smtClean="0">
                 <a:latin typeface="Garamond" charset="0"/>
               </a:rPr>
-              <a:t>3/21/16</a:t>
+              <a:t>3/23/16</a:t>
             </a:fld>
             <a:endParaRPr lang="en-US" sz="1200">
               <a:latin typeface="Garamond" charset="0"/>
@@ -10658,25 +10676,13 @@
               <a:rPr lang="en-US" dirty="0">
                 <a:latin typeface="Arial" charset="0"/>
               </a:rPr>
-              <a:t>HW 5 </a:t>
-            </a:r>
-            <a:r>
-              <a:rPr lang="en-US">
-                <a:latin typeface="Arial" charset="0"/>
-              </a:rPr>
-              <a:t>due </a:t>
-            </a:r>
-            <a:r>
-              <a:rPr lang="en-US" smtClean="0">
-                <a:latin typeface="Arial" charset="0"/>
-              </a:rPr>
-              <a:t>2:30 PM </a:t>
+              <a:t>HW 5 due </a:t>
             </a:r>
             <a:r>
               <a:rPr lang="en-US" dirty="0" smtClean="0">
                 <a:latin typeface="Arial" charset="0"/>
               </a:rPr>
-              <a:t>today</a:t>
+              <a:t>2:30 PM today</a:t>
             </a:r>
             <a:endParaRPr lang="en-US" dirty="0">
               <a:latin typeface="Arial" charset="0"/>
@@ -10700,7 +10706,13 @@
               <a:rPr lang="en-US" dirty="0" smtClean="0">
                 <a:latin typeface="Arial" charset="0"/>
               </a:rPr>
-              <a:t>to be posted; due </a:t>
+              <a:t>posted</a:t>
+            </a:r>
+            <a:r>
+              <a:rPr lang="en-US" dirty="0" smtClean="0">
+                <a:latin typeface="Arial" charset="0"/>
+              </a:rPr>
+              <a:t>; due </a:t>
             </a:r>
             <a:r>
               <a:rPr lang="en-US" dirty="0">
@@ -11083,7 +11095,7 @@
               <a:rPr lang="en-US" sz="1200" smtClean="0">
                 <a:latin typeface="Garamond" charset="0"/>
               </a:rPr>
-              <a:t>3/21/16</a:t>
+              <a:t>3/23/16</a:t>
             </a:fld>
             <a:endParaRPr lang="en-US" sz="1200">
               <a:latin typeface="Garamond" charset="0"/>
@@ -11603,7 +11615,7 @@
               <a:rPr lang="en-US" sz="1200" smtClean="0">
                 <a:latin typeface="Garamond" charset="0"/>
               </a:rPr>
-              <a:t>3/21/16</a:t>
+              <a:t>3/23/16</a:t>
             </a:fld>
             <a:endParaRPr lang="en-US" sz="1200">
               <a:latin typeface="Garamond" charset="0"/>
@@ -12097,7 +12109,7 @@
               <a:rPr lang="en-US" sz="1200" smtClean="0">
                 <a:latin typeface="Garamond" charset="0"/>
               </a:rPr>
-              <a:t>3/21/16</a:t>
+              <a:t>3/23/16</a:t>
             </a:fld>
             <a:endParaRPr lang="en-US" sz="1200">
               <a:latin typeface="Garamond" charset="0"/>
@@ -12345,7 +12357,7 @@
               <a:rPr lang="en-US" sz="1200" smtClean="0">
                 <a:latin typeface="Garamond" charset="0"/>
               </a:rPr>
-              <a:t>3/21/16</a:t>
+              <a:t>3/23/16</a:t>
             </a:fld>
             <a:endParaRPr lang="en-US" sz="1200">
               <a:latin typeface="Garamond" charset="0"/>
@@ -12817,7 +12829,7 @@
               <a:rPr lang="en-US" sz="1200" smtClean="0">
                 <a:latin typeface="Garamond" charset="0"/>
               </a:rPr>
-              <a:t>3/21/16</a:t>
+              <a:t>3/23/16</a:t>
             </a:fld>
             <a:endParaRPr lang="en-US" sz="1200">
               <a:latin typeface="Garamond" charset="0"/>
@@ -13715,7 +13727,7 @@
               <a:rPr lang="en-US" sz="1200" smtClean="0">
                 <a:latin typeface="Garamond" charset="0"/>
               </a:rPr>
-              <a:t>3/21/16</a:t>
+              <a:t>3/23/16</a:t>
             </a:fld>
             <a:endParaRPr lang="en-US" sz="1200">
               <a:latin typeface="Garamond" charset="0"/>
@@ -14561,7 +14573,7 @@
               <a:rPr lang="en-US" sz="1200" smtClean="0">
                 <a:latin typeface="Garamond" charset="0"/>
               </a:rPr>
-              <a:t>3/21/16</a:t>
+              <a:t>3/23/16</a:t>
             </a:fld>
             <a:endParaRPr lang="en-US" sz="1200">
               <a:latin typeface="Garamond" charset="0"/>
@@ -15246,7 +15258,7 @@
               <a:rPr lang="en-US" sz="1200" smtClean="0">
                 <a:latin typeface="Garamond" charset="0"/>
               </a:rPr>
-              <a:t>3/21/16</a:t>
+              <a:t>3/23/16</a:t>
             </a:fld>
             <a:endParaRPr lang="en-US" sz="1200">
               <a:latin typeface="Garamond" charset="0"/>
